--- a/InstallingAndUpdatingSoftware/Lecture.pptx
+++ b/InstallingAndUpdatingSoftware/Lecture.pptx
@@ -256,7 +256,7 @@
           </a:bodyPr>
           <a:p>
             <a:pPr algn="r"/>
-            <a:fld id="{2CCFF50F-AA57-47E1-B6B5-BCAEB24B5549}" type="slidenum">
+            <a:fld id="{9AF94876-769C-4BFB-98B2-0731F16663D0}" type="slidenum">
               <a:rPr b="0" lang="en-CA" sz="1400" spc="-1" strike="noStrike">
                 <a:latin typeface="Times New Roman"/>
               </a:rPr>
@@ -300,7 +300,7 @@
         <p:spPr>
           <a:xfrm>
             <a:off x="3884760" y="8685360"/>
-            <a:ext cx="2971080" cy="456480"/>
+            <a:ext cx="2970720" cy="456120"/>
           </a:xfrm>
           <a:prstGeom prst="rect">
             <a:avLst/>
@@ -326,8 +326,11 @@
                 <a:spcPct val="100000"/>
               </a:lnSpc>
             </a:pPr>
-            <a:fld id="{D558A6DB-BFBA-48C4-BB78-9875C48DF39A}" type="slidenum">
+            <a:fld id="{665ED565-A4F0-4B6F-9BBF-88BB32E1C8A6}" type="slidenum">
               <a:rPr b="0" lang="en-US" sz="1200" spc="-1" strike="noStrike">
+                <a:solidFill>
+                  <a:srgbClr val="000000"/>
+                </a:solidFill>
                 <a:latin typeface="Times New Roman"/>
                 <a:ea typeface="Lucida Sans Unicode"/>
               </a:rPr>
@@ -352,7 +355,7 @@
         <p:spPr>
           <a:xfrm>
             <a:off x="1143000" y="685800"/>
-            <a:ext cx="4571280" cy="3428280"/>
+            <a:ext cx="4570920" cy="3427920"/>
           </a:xfrm>
           <a:prstGeom prst="rect">
             <a:avLst/>
@@ -372,7 +375,7 @@
         <p:spPr>
           <a:xfrm>
             <a:off x="685800" y="4343400"/>
-            <a:ext cx="5485680" cy="4114080"/>
+            <a:ext cx="5485320" cy="4113720"/>
           </a:xfrm>
           <a:prstGeom prst="rect">
             <a:avLst/>
@@ -420,7 +423,7 @@
         <p:spPr>
           <a:xfrm>
             <a:off x="3884760" y="8685360"/>
-            <a:ext cx="2971080" cy="456480"/>
+            <a:ext cx="2970720" cy="456120"/>
           </a:xfrm>
           <a:prstGeom prst="rect">
             <a:avLst/>
@@ -446,8 +449,11 @@
                 <a:spcPct val="100000"/>
               </a:lnSpc>
             </a:pPr>
-            <a:fld id="{B7820CCF-1716-4259-93F4-92E871E520F2}" type="slidenum">
+            <a:fld id="{A56FE038-1978-4D71-9168-C02F4B1514BC}" type="slidenum">
               <a:rPr b="0" lang="en-US" sz="1200" spc="-1" strike="noStrike">
+                <a:solidFill>
+                  <a:srgbClr val="000000"/>
+                </a:solidFill>
                 <a:latin typeface="Times New Roman"/>
                 <a:ea typeface="Lucida Sans Unicode"/>
               </a:rPr>
@@ -472,7 +478,7 @@
         <p:spPr>
           <a:xfrm>
             <a:off x="1143000" y="685800"/>
-            <a:ext cx="4571280" cy="3428280"/>
+            <a:ext cx="4570920" cy="3427920"/>
           </a:xfrm>
           <a:prstGeom prst="rect">
             <a:avLst/>
@@ -492,7 +498,7 @@
         <p:spPr>
           <a:xfrm>
             <a:off x="685800" y="4343400"/>
-            <a:ext cx="5485680" cy="4114080"/>
+            <a:ext cx="5485320" cy="4113720"/>
           </a:xfrm>
           <a:prstGeom prst="rect">
             <a:avLst/>
@@ -540,7 +546,7 @@
         <p:spPr>
           <a:xfrm>
             <a:off x="3884760" y="8685360"/>
-            <a:ext cx="2971080" cy="456480"/>
+            <a:ext cx="2970720" cy="456120"/>
           </a:xfrm>
           <a:prstGeom prst="rect">
             <a:avLst/>
@@ -566,8 +572,11 @@
                 <a:spcPct val="100000"/>
               </a:lnSpc>
             </a:pPr>
-            <a:fld id="{EDA2C95F-9985-49C7-861F-EF607B4B815D}" type="slidenum">
+            <a:fld id="{0EF94C02-5DE8-41C1-B986-DE8ECD0590EF}" type="slidenum">
               <a:rPr b="0" lang="en-US" sz="1200" spc="-1" strike="noStrike">
+                <a:solidFill>
+                  <a:srgbClr val="000000"/>
+                </a:solidFill>
                 <a:latin typeface="Times New Roman"/>
                 <a:ea typeface="Lucida Sans Unicode"/>
               </a:rPr>
@@ -592,7 +601,7 @@
         <p:spPr>
           <a:xfrm>
             <a:off x="1143000" y="685800"/>
-            <a:ext cx="4571280" cy="3428280"/>
+            <a:ext cx="4570920" cy="3427920"/>
           </a:xfrm>
           <a:prstGeom prst="rect">
             <a:avLst/>
@@ -612,7 +621,7 @@
         <p:spPr>
           <a:xfrm>
             <a:off x="685800" y="4343400"/>
-            <a:ext cx="5485680" cy="4114080"/>
+            <a:ext cx="5485320" cy="4113720"/>
           </a:xfrm>
           <a:prstGeom prst="rect">
             <a:avLst/>
@@ -660,7 +669,7 @@
         <p:spPr>
           <a:xfrm>
             <a:off x="3884760" y="8685360"/>
-            <a:ext cx="2971080" cy="456480"/>
+            <a:ext cx="2970720" cy="456120"/>
           </a:xfrm>
           <a:prstGeom prst="rect">
             <a:avLst/>
@@ -686,8 +695,11 @@
                 <a:spcPct val="100000"/>
               </a:lnSpc>
             </a:pPr>
-            <a:fld id="{A976CACB-299A-47CB-9FF3-616E12E4CD35}" type="slidenum">
+            <a:fld id="{37B30924-1D6C-4288-AFD0-5CA44A5094AC}" type="slidenum">
               <a:rPr b="0" lang="en-US" sz="1200" spc="-1" strike="noStrike">
+                <a:solidFill>
+                  <a:srgbClr val="000000"/>
+                </a:solidFill>
                 <a:latin typeface="Times New Roman"/>
                 <a:ea typeface="Lucida Sans Unicode"/>
               </a:rPr>
@@ -712,7 +724,7 @@
         <p:spPr>
           <a:xfrm>
             <a:off x="1143000" y="685800"/>
-            <a:ext cx="4571280" cy="3428280"/>
+            <a:ext cx="4570920" cy="3427920"/>
           </a:xfrm>
           <a:prstGeom prst="rect">
             <a:avLst/>
@@ -732,7 +744,7 @@
         <p:spPr>
           <a:xfrm>
             <a:off x="685800" y="4343400"/>
-            <a:ext cx="5485680" cy="4114080"/>
+            <a:ext cx="5485320" cy="4113720"/>
           </a:xfrm>
           <a:prstGeom prst="rect">
             <a:avLst/>
@@ -780,7 +792,7 @@
         <p:spPr>
           <a:xfrm>
             <a:off x="3884760" y="8685360"/>
-            <a:ext cx="2971080" cy="456480"/>
+            <a:ext cx="2970720" cy="456120"/>
           </a:xfrm>
           <a:prstGeom prst="rect">
             <a:avLst/>
@@ -806,8 +818,11 @@
                 <a:spcPct val="100000"/>
               </a:lnSpc>
             </a:pPr>
-            <a:fld id="{C0F27E95-412A-493B-891B-D5917D8F9402}" type="slidenum">
+            <a:fld id="{08A23DAD-28AF-4968-BFBF-8C6721AF4602}" type="slidenum">
               <a:rPr b="0" lang="en-US" sz="1200" spc="-1" strike="noStrike">
+                <a:solidFill>
+                  <a:srgbClr val="000000"/>
+                </a:solidFill>
                 <a:latin typeface="Times New Roman"/>
                 <a:ea typeface="Lucida Sans Unicode"/>
               </a:rPr>
@@ -832,7 +847,7 @@
         <p:spPr>
           <a:xfrm>
             <a:off x="1143000" y="685800"/>
-            <a:ext cx="4571280" cy="3428280"/>
+            <a:ext cx="4570920" cy="3427920"/>
           </a:xfrm>
           <a:prstGeom prst="rect">
             <a:avLst/>
@@ -852,7 +867,7 @@
         <p:spPr>
           <a:xfrm>
             <a:off x="685800" y="4343400"/>
-            <a:ext cx="5485680" cy="4114080"/>
+            <a:ext cx="5485320" cy="4113720"/>
           </a:xfrm>
           <a:prstGeom prst="rect">
             <a:avLst/>
@@ -900,7 +915,7 @@
         <p:spPr>
           <a:xfrm>
             <a:off x="3884760" y="8685360"/>
-            <a:ext cx="2971080" cy="456480"/>
+            <a:ext cx="2970720" cy="456120"/>
           </a:xfrm>
           <a:prstGeom prst="rect">
             <a:avLst/>
@@ -926,8 +941,11 @@
                 <a:spcPct val="100000"/>
               </a:lnSpc>
             </a:pPr>
-            <a:fld id="{9FE661B4-A4B6-401A-8DEA-C4602ADAD727}" type="slidenum">
+            <a:fld id="{43BA4C9A-CD79-4BF1-997D-7D02437BF5F5}" type="slidenum">
               <a:rPr b="0" lang="en-US" sz="1200" spc="-1" strike="noStrike">
+                <a:solidFill>
+                  <a:srgbClr val="000000"/>
+                </a:solidFill>
                 <a:latin typeface="Times New Roman"/>
                 <a:ea typeface="Lucida Sans Unicode"/>
               </a:rPr>
@@ -952,7 +970,7 @@
         <p:spPr>
           <a:xfrm>
             <a:off x="1143000" y="685800"/>
-            <a:ext cx="4571280" cy="3428280"/>
+            <a:ext cx="4570920" cy="3427920"/>
           </a:xfrm>
           <a:prstGeom prst="rect">
             <a:avLst/>
@@ -972,7 +990,7 @@
         <p:spPr>
           <a:xfrm>
             <a:off x="685800" y="4343400"/>
-            <a:ext cx="5485680" cy="4114080"/>
+            <a:ext cx="5485320" cy="4113720"/>
           </a:xfrm>
           <a:prstGeom prst="rect">
             <a:avLst/>
@@ -1020,7 +1038,7 @@
         <p:spPr>
           <a:xfrm>
             <a:off x="3884760" y="8685360"/>
-            <a:ext cx="2971080" cy="456480"/>
+            <a:ext cx="2970720" cy="456120"/>
           </a:xfrm>
           <a:prstGeom prst="rect">
             <a:avLst/>
@@ -1046,8 +1064,11 @@
                 <a:spcPct val="100000"/>
               </a:lnSpc>
             </a:pPr>
-            <a:fld id="{B70DB2EE-3AB9-4C47-9865-59797622063C}" type="slidenum">
+            <a:fld id="{17F20B86-87A8-42AC-9ADD-86CEF8E13DDD}" type="slidenum">
               <a:rPr b="0" lang="en-US" sz="1200" spc="-1" strike="noStrike">
+                <a:solidFill>
+                  <a:srgbClr val="000000"/>
+                </a:solidFill>
                 <a:latin typeface="Times New Roman"/>
                 <a:ea typeface="Lucida Sans Unicode"/>
               </a:rPr>
@@ -1072,7 +1093,7 @@
         <p:spPr>
           <a:xfrm>
             <a:off x="1143000" y="685800"/>
-            <a:ext cx="4571280" cy="3428280"/>
+            <a:ext cx="4570920" cy="3427920"/>
           </a:xfrm>
           <a:prstGeom prst="rect">
             <a:avLst/>
@@ -1092,7 +1113,7 @@
         <p:spPr>
           <a:xfrm>
             <a:off x="685800" y="4343400"/>
-            <a:ext cx="5485680" cy="4114080"/>
+            <a:ext cx="5485320" cy="4113720"/>
           </a:xfrm>
           <a:prstGeom prst="rect">
             <a:avLst/>
@@ -1140,7 +1161,7 @@
         <p:spPr>
           <a:xfrm>
             <a:off x="3884760" y="8685360"/>
-            <a:ext cx="2971080" cy="456480"/>
+            <a:ext cx="2970720" cy="456120"/>
           </a:xfrm>
           <a:prstGeom prst="rect">
             <a:avLst/>
@@ -1166,8 +1187,11 @@
                 <a:spcPct val="100000"/>
               </a:lnSpc>
             </a:pPr>
-            <a:fld id="{F7065B76-A5E3-4658-AE2E-EBC580FCED57}" type="slidenum">
+            <a:fld id="{50024C8C-9E0F-4D14-9462-C1ACC01C47B2}" type="slidenum">
               <a:rPr b="0" lang="en-US" sz="1200" spc="-1" strike="noStrike">
+                <a:solidFill>
+                  <a:srgbClr val="000000"/>
+                </a:solidFill>
                 <a:latin typeface="Times New Roman"/>
                 <a:ea typeface="Lucida Sans Unicode"/>
               </a:rPr>
@@ -1192,7 +1216,7 @@
         <p:spPr>
           <a:xfrm>
             <a:off x="1143000" y="685800"/>
-            <a:ext cx="4571280" cy="3428280"/>
+            <a:ext cx="4570920" cy="3427920"/>
           </a:xfrm>
           <a:prstGeom prst="rect">
             <a:avLst/>
@@ -1212,7 +1236,7 @@
         <p:spPr>
           <a:xfrm>
             <a:off x="685800" y="4343400"/>
-            <a:ext cx="5485680" cy="4114080"/>
+            <a:ext cx="5485320" cy="4113720"/>
           </a:xfrm>
           <a:prstGeom prst="rect">
             <a:avLst/>
@@ -1260,7 +1284,7 @@
         <p:spPr>
           <a:xfrm>
             <a:off x="3884760" y="8685360"/>
-            <a:ext cx="2971080" cy="456480"/>
+            <a:ext cx="2970720" cy="456120"/>
           </a:xfrm>
           <a:prstGeom prst="rect">
             <a:avLst/>
@@ -1286,8 +1310,11 @@
                 <a:spcPct val="100000"/>
               </a:lnSpc>
             </a:pPr>
-            <a:fld id="{895232F7-04B9-472D-BC1F-99321B62A876}" type="slidenum">
+            <a:fld id="{C4B155EB-A41B-4FF6-823D-95E5C7095AEB}" type="slidenum">
               <a:rPr b="0" lang="en-US" sz="1200" spc="-1" strike="noStrike">
+                <a:solidFill>
+                  <a:srgbClr val="000000"/>
+                </a:solidFill>
                 <a:latin typeface="Times New Roman"/>
                 <a:ea typeface="Lucida Sans Unicode"/>
               </a:rPr>
@@ -1312,7 +1339,7 @@
         <p:spPr>
           <a:xfrm>
             <a:off x="1143000" y="685800"/>
-            <a:ext cx="4571280" cy="3428280"/>
+            <a:ext cx="4570920" cy="3427920"/>
           </a:xfrm>
           <a:prstGeom prst="rect">
             <a:avLst/>
@@ -1332,7 +1359,7 @@
         <p:spPr>
           <a:xfrm>
             <a:off x="685800" y="4343400"/>
-            <a:ext cx="5485680" cy="4114080"/>
+            <a:ext cx="5485320" cy="4113720"/>
           </a:xfrm>
           <a:prstGeom prst="rect">
             <a:avLst/>
@@ -1380,7 +1407,7 @@
         <p:spPr>
           <a:xfrm>
             <a:off x="3884760" y="8685360"/>
-            <a:ext cx="2971080" cy="456480"/>
+            <a:ext cx="2970720" cy="456120"/>
           </a:xfrm>
           <a:prstGeom prst="rect">
             <a:avLst/>
@@ -1406,8 +1433,11 @@
                 <a:spcPct val="100000"/>
               </a:lnSpc>
             </a:pPr>
-            <a:fld id="{52609E99-040F-4DDC-B083-6864F1C826E3}" type="slidenum">
+            <a:fld id="{ECEE43C1-3EAE-489E-AD4E-B64D3F8056DA}" type="slidenum">
               <a:rPr b="0" lang="en-US" sz="1200" spc="-1" strike="noStrike">
+                <a:solidFill>
+                  <a:srgbClr val="000000"/>
+                </a:solidFill>
                 <a:latin typeface="Times New Roman"/>
                 <a:ea typeface="Lucida Sans Unicode"/>
               </a:rPr>
@@ -1432,7 +1462,7 @@
         <p:spPr>
           <a:xfrm>
             <a:off x="1143000" y="685800"/>
-            <a:ext cx="4571280" cy="3428280"/>
+            <a:ext cx="4570920" cy="3427920"/>
           </a:xfrm>
           <a:prstGeom prst="rect">
             <a:avLst/>
@@ -1452,7 +1482,7 @@
         <p:spPr>
           <a:xfrm>
             <a:off x="685800" y="4343400"/>
-            <a:ext cx="5485680" cy="4114080"/>
+            <a:ext cx="5485320" cy="4113720"/>
           </a:xfrm>
           <a:prstGeom prst="rect">
             <a:avLst/>
@@ -1500,7 +1530,7 @@
         <p:spPr>
           <a:xfrm>
             <a:off x="3884760" y="8685360"/>
-            <a:ext cx="2971080" cy="456480"/>
+            <a:ext cx="2970720" cy="456120"/>
           </a:xfrm>
           <a:prstGeom prst="rect">
             <a:avLst/>
@@ -1526,8 +1556,11 @@
                 <a:spcPct val="100000"/>
               </a:lnSpc>
             </a:pPr>
-            <a:fld id="{0E3D3EF0-F375-4DBD-B89A-696E5F6EBA99}" type="slidenum">
+            <a:fld id="{AB1E1228-4F2F-450A-AFC0-3272BD379B92}" type="slidenum">
               <a:rPr b="0" lang="en-US" sz="1200" spc="-1" strike="noStrike">
+                <a:solidFill>
+                  <a:srgbClr val="000000"/>
+                </a:solidFill>
                 <a:latin typeface="Times New Roman"/>
                 <a:ea typeface="Lucida Sans Unicode"/>
               </a:rPr>
@@ -1552,7 +1585,7 @@
         <p:spPr>
           <a:xfrm>
             <a:off x="1143000" y="685800"/>
-            <a:ext cx="4571280" cy="3428280"/>
+            <a:ext cx="4570920" cy="3427920"/>
           </a:xfrm>
           <a:prstGeom prst="rect">
             <a:avLst/>
@@ -1572,7 +1605,7 @@
         <p:spPr>
           <a:xfrm>
             <a:off x="685800" y="4343400"/>
-            <a:ext cx="5485680" cy="4114080"/>
+            <a:ext cx="5485320" cy="4113720"/>
           </a:xfrm>
           <a:prstGeom prst="rect">
             <a:avLst/>
@@ -1620,7 +1653,7 @@
         <p:spPr>
           <a:xfrm>
             <a:off x="3884760" y="8685360"/>
-            <a:ext cx="2971080" cy="456480"/>
+            <a:ext cx="2970720" cy="456120"/>
           </a:xfrm>
           <a:prstGeom prst="rect">
             <a:avLst/>
@@ -1646,8 +1679,11 @@
                 <a:spcPct val="100000"/>
               </a:lnSpc>
             </a:pPr>
-            <a:fld id="{91D0403A-BC80-4691-A835-96A474023FAA}" type="slidenum">
+            <a:fld id="{0686AE9A-F324-4E12-9AF3-00E85CE82ACD}" type="slidenum">
               <a:rPr b="0" lang="en-US" sz="1200" spc="-1" strike="noStrike">
+                <a:solidFill>
+                  <a:srgbClr val="000000"/>
+                </a:solidFill>
                 <a:latin typeface="Times New Roman"/>
                 <a:ea typeface="Lucida Sans Unicode"/>
               </a:rPr>
@@ -1672,7 +1708,7 @@
         <p:spPr>
           <a:xfrm>
             <a:off x="1143000" y="685800"/>
-            <a:ext cx="4571280" cy="3428280"/>
+            <a:ext cx="4570920" cy="3427920"/>
           </a:xfrm>
           <a:prstGeom prst="rect">
             <a:avLst/>
@@ -1692,7 +1728,7 @@
         <p:spPr>
           <a:xfrm>
             <a:off x="685800" y="4343400"/>
-            <a:ext cx="5485680" cy="4114080"/>
+            <a:ext cx="5485320" cy="4113720"/>
           </a:xfrm>
           <a:prstGeom prst="rect">
             <a:avLst/>
@@ -4463,7 +4499,7 @@
         <p:spPr>
           <a:xfrm>
             <a:off x="35640" y="6099120"/>
-            <a:ext cx="2532960" cy="713520"/>
+            <a:ext cx="2532600" cy="713160"/>
           </a:xfrm>
           <a:prstGeom prst="rect">
             <a:avLst/>
@@ -4485,8 +4521,8 @@
         </p:nvSpPr>
         <p:spPr>
           <a:xfrm>
-            <a:off x="457200" y="274680"/>
-            <a:ext cx="8228880" cy="1142280"/>
+            <a:off x="457200" y="273600"/>
+            <a:ext cx="8228880" cy="1144440"/>
           </a:xfrm>
           <a:prstGeom prst="rect">
             <a:avLst/>
@@ -4522,7 +4558,7 @@
         <p:spPr>
           <a:xfrm>
             <a:off x="457200" y="1604520"/>
-            <a:ext cx="8229240" cy="3977280"/>
+            <a:ext cx="8228880" cy="3976920"/>
           </a:xfrm>
           <a:prstGeom prst="rect">
             <a:avLst/>
@@ -4545,12 +4581,12 @@
               <a:buChar char=""/>
             </a:pPr>
             <a:r>
-              <a:rPr b="0" lang="en-CA" sz="3200" spc="-1" strike="noStrike">
+              <a:rPr b="0" lang="en-CA" sz="1800" spc="-1" strike="noStrike">
                 <a:latin typeface="Arial"/>
               </a:rPr>
               <a:t>Click to edit the outline text format</a:t>
             </a:r>
-            <a:endParaRPr b="0" lang="en-CA" sz="3200" spc="-1" strike="noStrike">
+            <a:endParaRPr b="0" lang="en-CA" sz="1800" spc="-1" strike="noStrike">
               <a:latin typeface="Arial"/>
             </a:endParaRPr>
           </a:p>
@@ -4567,12 +4603,12 @@
               <a:buChar char=""/>
             </a:pPr>
             <a:r>
-              <a:rPr b="0" lang="en-CA" sz="2800" spc="-1" strike="noStrike">
+              <a:rPr b="0" lang="en-CA" sz="1800" spc="-1" strike="noStrike">
                 <a:latin typeface="Arial"/>
               </a:rPr>
               <a:t>Second Outline Level</a:t>
             </a:r>
-            <a:endParaRPr b="0" lang="en-CA" sz="2800" spc="-1" strike="noStrike">
+            <a:endParaRPr b="0" lang="en-CA" sz="1800" spc="-1" strike="noStrike">
               <a:latin typeface="Arial"/>
             </a:endParaRPr>
           </a:p>
@@ -4589,12 +4625,12 @@
               <a:buChar char=""/>
             </a:pPr>
             <a:r>
-              <a:rPr b="0" lang="en-CA" sz="2400" spc="-1" strike="noStrike">
+              <a:rPr b="0" lang="en-CA" sz="1800" spc="-1" strike="noStrike">
                 <a:latin typeface="Arial"/>
               </a:rPr>
               <a:t>Third Outline Level</a:t>
             </a:r>
-            <a:endParaRPr b="0" lang="en-CA" sz="2400" spc="-1" strike="noStrike">
+            <a:endParaRPr b="0" lang="en-CA" sz="1800" spc="-1" strike="noStrike">
               <a:latin typeface="Arial"/>
             </a:endParaRPr>
           </a:p>
@@ -4611,12 +4647,12 @@
               <a:buChar char=""/>
             </a:pPr>
             <a:r>
-              <a:rPr b="0" lang="en-CA" sz="2000" spc="-1" strike="noStrike">
+              <a:rPr b="0" lang="en-CA" sz="1800" spc="-1" strike="noStrike">
                 <a:latin typeface="Arial"/>
               </a:rPr>
               <a:t>Fourth Outline Level</a:t>
             </a:r>
-            <a:endParaRPr b="0" lang="en-CA" sz="2000" spc="-1" strike="noStrike">
+            <a:endParaRPr b="0" lang="en-CA" sz="1800" spc="-1" strike="noStrike">
               <a:latin typeface="Arial"/>
             </a:endParaRPr>
           </a:p>
@@ -4633,12 +4669,12 @@
               <a:buChar char=""/>
             </a:pPr>
             <a:r>
-              <a:rPr b="0" lang="en-CA" sz="2000" spc="-1" strike="noStrike">
+              <a:rPr b="0" lang="en-CA" sz="1800" spc="-1" strike="noStrike">
                 <a:latin typeface="Arial"/>
               </a:rPr>
               <a:t>Fifth Outline Level</a:t>
             </a:r>
-            <a:endParaRPr b="0" lang="en-CA" sz="2000" spc="-1" strike="noStrike">
+            <a:endParaRPr b="0" lang="en-CA" sz="1800" spc="-1" strike="noStrike">
               <a:latin typeface="Arial"/>
             </a:endParaRPr>
           </a:p>
@@ -4655,12 +4691,12 @@
               <a:buChar char=""/>
             </a:pPr>
             <a:r>
-              <a:rPr b="0" lang="en-CA" sz="2000" spc="-1" strike="noStrike">
+              <a:rPr b="0" lang="en-CA" sz="1800" spc="-1" strike="noStrike">
                 <a:latin typeface="Arial"/>
               </a:rPr>
               <a:t>Sixth Outline Level</a:t>
             </a:r>
-            <a:endParaRPr b="0" lang="en-CA" sz="2000" spc="-1" strike="noStrike">
+            <a:endParaRPr b="0" lang="en-CA" sz="1800" spc="-1" strike="noStrike">
               <a:latin typeface="Arial"/>
             </a:endParaRPr>
           </a:p>
@@ -4677,12 +4713,12 @@
               <a:buChar char=""/>
             </a:pPr>
             <a:r>
-              <a:rPr b="0" lang="en-CA" sz="2000" spc="-1" strike="noStrike">
+              <a:rPr b="0" lang="en-CA" sz="1800" spc="-1" strike="noStrike">
                 <a:latin typeface="Arial"/>
               </a:rPr>
               <a:t>Seventh Outline Level</a:t>
             </a:r>
-            <a:endParaRPr b="0" lang="en-CA" sz="2000" spc="-1" strike="noStrike">
+            <a:endParaRPr b="0" lang="en-CA" sz="1800" spc="-1" strike="noStrike">
               <a:latin typeface="Arial"/>
             </a:endParaRPr>
           </a:p>
@@ -4745,7 +4781,7 @@
         <p:spPr>
           <a:xfrm>
             <a:off x="35640" y="6099120"/>
-            <a:ext cx="2532960" cy="713520"/>
+            <a:ext cx="2532600" cy="713160"/>
           </a:xfrm>
           <a:prstGeom prst="rect">
             <a:avLst/>
@@ -5017,7 +5053,7 @@
         <p:spPr>
           <a:xfrm>
             <a:off x="685800" y="2130480"/>
-            <a:ext cx="7771680" cy="1469160"/>
+            <a:ext cx="7771320" cy="1468800"/>
           </a:xfrm>
           <a:prstGeom prst="rect">
             <a:avLst/>
@@ -5068,7 +5104,7 @@
         <p:spPr>
           <a:xfrm>
             <a:off x="1371600" y="3886200"/>
-            <a:ext cx="6400080" cy="1751760"/>
+            <a:ext cx="6399720" cy="1751400"/>
           </a:xfrm>
           <a:prstGeom prst="rect">
             <a:avLst/>
@@ -5124,7 +5160,7 @@
         <p:spPr>
           <a:xfrm>
             <a:off x="380880" y="380880"/>
-            <a:ext cx="8609760" cy="1065960"/>
+            <a:ext cx="8609400" cy="1065600"/>
           </a:xfrm>
           <a:prstGeom prst="rect">
             <a:avLst/>
@@ -5175,7 +5211,7 @@
         <p:spPr>
           <a:xfrm>
             <a:off x="1066680" y="1905120"/>
-            <a:ext cx="7162200" cy="2894760"/>
+            <a:ext cx="7161840" cy="2894400"/>
           </a:xfrm>
           <a:prstGeom prst="rect">
             <a:avLst/>
@@ -5196,7 +5232,7 @@
             <a:noAutofit/>
           </a:bodyPr>
           <a:p>
-            <a:pPr marL="343080" indent="-342360">
+            <a:pPr marL="343080" indent="-342000">
               <a:lnSpc>
                 <a:spcPct val="140000"/>
               </a:lnSpc>
@@ -5224,7 +5260,7 @@
             </a:endParaRPr>
           </a:p>
           <a:p>
-            <a:pPr marL="343080" indent="-342360">
+            <a:pPr marL="343080" indent="-342000">
               <a:lnSpc>
                 <a:spcPct val="140000"/>
               </a:lnSpc>
@@ -5282,7 +5318,7 @@
             </a:endParaRPr>
           </a:p>
           <a:p>
-            <a:pPr marL="343080" indent="-342360">
+            <a:pPr marL="343080" indent="-342000">
               <a:lnSpc>
                 <a:spcPct val="140000"/>
               </a:lnSpc>
@@ -5310,7 +5346,7 @@
             </a:endParaRPr>
           </a:p>
           <a:p>
-            <a:pPr lvl="2" marL="648000" indent="-216000">
+            <a:pPr lvl="2" marL="648000" indent="-215640">
               <a:lnSpc>
                 <a:spcPct val="140000"/>
               </a:lnSpc>
@@ -5339,7 +5375,7 @@
             </a:endParaRPr>
           </a:p>
           <a:p>
-            <a:pPr lvl="2" marL="648000" indent="-216000">
+            <a:pPr lvl="2" marL="648000" indent="-215640">
               <a:lnSpc>
                 <a:spcPct val="140000"/>
               </a:lnSpc>
@@ -5368,7 +5404,7 @@
             </a:endParaRPr>
           </a:p>
           <a:p>
-            <a:pPr lvl="2" marL="648000" indent="-216000">
+            <a:pPr lvl="2" marL="648000" indent="-215640">
               <a:lnSpc>
                 <a:spcPct val="140000"/>
               </a:lnSpc>
@@ -5397,7 +5433,7 @@
             </a:endParaRPr>
           </a:p>
           <a:p>
-            <a:pPr marL="343080" indent="-342360">
+            <a:pPr marL="343080" indent="-342000">
               <a:lnSpc>
                 <a:spcPct val="140000"/>
               </a:lnSpc>
@@ -5435,7 +5471,7 @@
         <p:spPr>
           <a:xfrm>
             <a:off x="613800" y="1447920"/>
-            <a:ext cx="688320" cy="364320"/>
+            <a:ext cx="687960" cy="363960"/>
           </a:xfrm>
           <a:prstGeom prst="rect">
             <a:avLst/>
@@ -5516,7 +5552,7 @@
         <p:spPr>
           <a:xfrm>
             <a:off x="380880" y="380880"/>
-            <a:ext cx="8609760" cy="1065960"/>
+            <a:ext cx="8609400" cy="1065600"/>
           </a:xfrm>
           <a:prstGeom prst="rect">
             <a:avLst/>
@@ -5567,7 +5603,7 @@
         <p:spPr>
           <a:xfrm>
             <a:off x="1066680" y="1905120"/>
-            <a:ext cx="7162200" cy="2285280"/>
+            <a:ext cx="7161840" cy="2284920"/>
           </a:xfrm>
           <a:prstGeom prst="rect">
             <a:avLst/>
@@ -5588,7 +5624,7 @@
             <a:noAutofit/>
           </a:bodyPr>
           <a:p>
-            <a:pPr marL="343080" indent="-342360">
+            <a:pPr marL="343080" indent="-342000">
               <a:lnSpc>
                 <a:spcPct val="140000"/>
               </a:lnSpc>
@@ -5616,7 +5652,7 @@
             </a:endParaRPr>
           </a:p>
           <a:p>
-            <a:pPr marL="343080" indent="-342360">
+            <a:pPr marL="343080" indent="-342000">
               <a:lnSpc>
                 <a:spcPct val="140000"/>
               </a:lnSpc>
@@ -5644,7 +5680,7 @@
             </a:endParaRPr>
           </a:p>
           <a:p>
-            <a:pPr marL="343080" indent="-342360">
+            <a:pPr marL="343080" indent="-342000">
               <a:lnSpc>
                 <a:spcPct val="140000"/>
               </a:lnSpc>
@@ -5738,7 +5774,7 @@
         <p:spPr>
           <a:xfrm>
             <a:off x="511560" y="2438280"/>
-            <a:ext cx="8609760" cy="1065960"/>
+            <a:ext cx="8609400" cy="1065600"/>
           </a:xfrm>
           <a:prstGeom prst="rect">
             <a:avLst/>
@@ -5819,7 +5855,7 @@
         <p:spPr>
           <a:xfrm>
             <a:off x="457200" y="274680"/>
-            <a:ext cx="8228880" cy="1142280"/>
+            <a:ext cx="8228520" cy="1141920"/>
           </a:xfrm>
           <a:prstGeom prst="rect">
             <a:avLst/>
@@ -5870,7 +5906,7 @@
         <p:spPr>
           <a:xfrm>
             <a:off x="457200" y="1600200"/>
-            <a:ext cx="8228880" cy="4190400"/>
+            <a:ext cx="8228520" cy="4190040"/>
           </a:xfrm>
           <a:prstGeom prst="rect">
             <a:avLst/>
@@ -5891,7 +5927,7 @@
             <a:noAutofit/>
           </a:bodyPr>
           <a:p>
-            <a:pPr marL="343080" indent="-342360">
+            <a:pPr marL="343080" indent="-342000">
               <a:lnSpc>
                 <a:spcPct val="100000"/>
               </a:lnSpc>
@@ -5930,7 +5966,7 @@
             </a:endParaRPr>
           </a:p>
           <a:p>
-            <a:pPr marL="343080" indent="-342360">
+            <a:pPr marL="343080" indent="-342000">
               <a:lnSpc>
                 <a:spcPct val="100000"/>
               </a:lnSpc>
@@ -5951,7 +5987,7 @@
                 <a:latin typeface="Calibri"/>
                 <a:ea typeface="ＭＳ Ｐゴシック"/>
               </a:rPr>
-              <a:t>RedHat Enterprise Linux uses Yellow Updater Modified (YUM)</a:t>
+              <a:t>RedHat Enterprise Linux uses Yellowdog Updater Modified (YUM)</a:t>
             </a:r>
             <a:endParaRPr b="0" lang="en-CA" sz="2200" spc="-1" strike="noStrike">
               <a:latin typeface="Arial"/>
@@ -5998,7 +6034,7 @@
         <p:spPr>
           <a:xfrm>
             <a:off x="457200" y="274680"/>
-            <a:ext cx="8228880" cy="1142280"/>
+            <a:ext cx="8228520" cy="1141920"/>
           </a:xfrm>
           <a:prstGeom prst="rect">
             <a:avLst/>
@@ -6049,7 +6085,7 @@
         <p:spPr>
           <a:xfrm>
             <a:off x="457200" y="1600200"/>
-            <a:ext cx="8228880" cy="3885480"/>
+            <a:ext cx="8228520" cy="3885120"/>
           </a:xfrm>
           <a:prstGeom prst="rect">
             <a:avLst/>
@@ -6070,7 +6106,7 @@
             <a:noAutofit/>
           </a:bodyPr>
           <a:p>
-            <a:pPr marL="343080" indent="-342360">
+            <a:pPr marL="343080" indent="-342000">
               <a:lnSpc>
                 <a:spcPct val="100000"/>
               </a:lnSpc>
@@ -6101,7 +6137,7 @@
             </a:endParaRPr>
           </a:p>
           <a:p>
-            <a:pPr marL="343080" indent="-342360">
+            <a:pPr marL="343080" indent="-342000">
               <a:lnSpc>
                 <a:spcPct val="100000"/>
               </a:lnSpc>
@@ -6132,7 +6168,7 @@
             </a:endParaRPr>
           </a:p>
           <a:p>
-            <a:pPr marL="343080" indent="-342360">
+            <a:pPr marL="343080" indent="-342000">
               <a:lnSpc>
                 <a:spcPct val="100000"/>
               </a:lnSpc>
@@ -6174,7 +6210,7 @@
             </a:endParaRPr>
           </a:p>
           <a:p>
-            <a:pPr marL="343080" indent="-342360">
+            <a:pPr marL="343080" indent="-342000">
               <a:lnSpc>
                 <a:spcPct val="100000"/>
               </a:lnSpc>
@@ -6245,7 +6281,7 @@
         <p:spPr>
           <a:xfrm>
             <a:off x="457200" y="274680"/>
-            <a:ext cx="8228880" cy="1142280"/>
+            <a:ext cx="8228520" cy="1141920"/>
           </a:xfrm>
           <a:prstGeom prst="rect">
             <a:avLst/>
@@ -6296,7 +6332,7 @@
         <p:spPr>
           <a:xfrm>
             <a:off x="457200" y="1600200"/>
-            <a:ext cx="8228880" cy="3885480"/>
+            <a:ext cx="8228520" cy="3885120"/>
           </a:xfrm>
           <a:prstGeom prst="rect">
             <a:avLst/>
@@ -6317,7 +6353,7 @@
             <a:noAutofit/>
           </a:bodyPr>
           <a:p>
-            <a:pPr marL="343080" indent="-342360">
+            <a:pPr marL="343080" indent="-342000">
               <a:lnSpc>
                 <a:spcPct val="100000"/>
               </a:lnSpc>
@@ -6341,34 +6377,14 @@
                 <a:latin typeface="Calibri"/>
                 <a:ea typeface="ＭＳ Ｐゴシック"/>
               </a:rPr>
-              <a:t>To access RHEL update repositories a system </a:t>
-            </a:r>
-            <a:r>
-              <a:rPr b="0" lang="en-CA" sz="2600" spc="-1" strike="noStrike">
-                <a:solidFill>
-                  <a:srgbClr val="000000"/>
-                </a:solidFill>
-                <a:latin typeface="Calibri"/>
-                <a:ea typeface="ＭＳ Ｐゴシック"/>
-              </a:rPr>
-              <a:t>must be licensed by Red Hat and must be </a:t>
-            </a:r>
-            <a:r>
-              <a:rPr b="0" lang="en-CA" sz="2600" spc="-1" strike="noStrike">
-                <a:solidFill>
-                  <a:srgbClr val="000000"/>
-                </a:solidFill>
-                <a:latin typeface="Calibri"/>
-                <a:ea typeface="ＭＳ Ｐゴシック"/>
-              </a:rPr>
-              <a:t>registered with Red Hat.</a:t>
+              <a:t>To access RHEL update repositories a system must be licensed by Red Hat and must be registered with Red Hat.</a:t>
             </a:r>
             <a:endParaRPr b="0" lang="en-CA" sz="2600" spc="-1" strike="noStrike">
               <a:latin typeface="Arial"/>
             </a:endParaRPr>
           </a:p>
           <a:p>
-            <a:pPr marL="343080" indent="-342360">
+            <a:pPr marL="343080" indent="-342000">
               <a:lnSpc>
                 <a:spcPct val="100000"/>
               </a:lnSpc>
@@ -6392,24 +6408,14 @@
                 <a:latin typeface="Calibri"/>
                 <a:ea typeface="ＭＳ Ｐゴシック"/>
               </a:rPr>
-              <a:t>Yum still works from local repositories, like we </a:t>
-            </a:r>
-            <a:r>
-              <a:rPr b="0" lang="en-CA" sz="2600" spc="-1" strike="noStrike">
-                <a:solidFill>
-                  <a:srgbClr val="000000"/>
-                </a:solidFill>
-                <a:latin typeface="Calibri"/>
-                <a:ea typeface="ＭＳ Ｐゴシック"/>
-              </a:rPr>
-              <a:t>use in the labs.</a:t>
+              <a:t>Yum still works from local repositories, like we use in the labs.</a:t>
             </a:r>
             <a:endParaRPr b="0" lang="en-CA" sz="2600" spc="-1" strike="noStrike">
               <a:latin typeface="Arial"/>
             </a:endParaRPr>
           </a:p>
           <a:p>
-            <a:pPr marL="343080" indent="-342360">
+            <a:pPr marL="343080" indent="-342000">
               <a:lnSpc>
                 <a:spcPct val="100000"/>
               </a:lnSpc>
@@ -6433,17 +6439,7 @@
                 <a:latin typeface="Calibri"/>
                 <a:ea typeface="ＭＳ Ｐゴシック"/>
               </a:rPr>
-              <a:t>RedHat offers a free license tier under the </a:t>
-            </a:r>
-            <a:r>
-              <a:rPr b="0" lang="en-CA" sz="2600" spc="-1" strike="noStrike">
-                <a:solidFill>
-                  <a:srgbClr val="000000"/>
-                </a:solidFill>
-                <a:latin typeface="Calibri"/>
-                <a:ea typeface="ＭＳ Ｐゴシック"/>
-              </a:rPr>
-              <a:t>Red Hat Developer program</a:t>
+              <a:t>RedHat offers a free license tier under the Red Hat Developer program</a:t>
             </a:r>
             <a:endParaRPr b="0" lang="en-CA" sz="2600" spc="-1" strike="noStrike">
               <a:latin typeface="Arial"/>
@@ -6490,7 +6486,7 @@
         <p:spPr>
           <a:xfrm>
             <a:off x="228600" y="457200"/>
-            <a:ext cx="8228880" cy="990000"/>
+            <a:ext cx="8228520" cy="989640"/>
           </a:xfrm>
           <a:prstGeom prst="rect">
             <a:avLst/>
@@ -6541,7 +6537,7 @@
         <p:spPr>
           <a:xfrm>
             <a:off x="1013760" y="1905120"/>
-            <a:ext cx="2768400" cy="364320"/>
+            <a:ext cx="2768040" cy="363960"/>
           </a:xfrm>
           <a:prstGeom prst="rect">
             <a:avLst/>
@@ -6592,7 +6588,7 @@
         <p:spPr>
           <a:xfrm>
             <a:off x="1523880" y="2666880"/>
-            <a:ext cx="4952160" cy="2010240"/>
+            <a:ext cx="4951800" cy="2009880"/>
           </a:xfrm>
           <a:prstGeom prst="rect">
             <a:avLst/>
@@ -6703,7 +6699,7 @@
         <p:spPr>
           <a:xfrm>
             <a:off x="457200" y="274680"/>
-            <a:ext cx="8228880" cy="1142280"/>
+            <a:ext cx="8228520" cy="1141920"/>
           </a:xfrm>
           <a:prstGeom prst="rect">
             <a:avLst/>
@@ -6754,7 +6750,7 @@
         <p:spPr>
           <a:xfrm>
             <a:off x="457200" y="1600200"/>
-            <a:ext cx="8228880" cy="4525200"/>
+            <a:ext cx="8228520" cy="4524840"/>
           </a:xfrm>
           <a:prstGeom prst="rect">
             <a:avLst/>
@@ -6841,7 +6837,7 @@
         <p:spPr>
           <a:xfrm>
             <a:off x="457200" y="274680"/>
-            <a:ext cx="8228880" cy="1142280"/>
+            <a:ext cx="8228520" cy="1141920"/>
           </a:xfrm>
           <a:prstGeom prst="rect">
             <a:avLst/>
@@ -6892,7 +6888,7 @@
         <p:spPr>
           <a:xfrm>
             <a:off x="1447920" y="1371600"/>
-            <a:ext cx="7047720" cy="2437560"/>
+            <a:ext cx="7047360" cy="2437200"/>
           </a:xfrm>
           <a:prstGeom prst="rect">
             <a:avLst/>
@@ -7037,7 +7033,7 @@
         <p:spPr>
           <a:xfrm>
             <a:off x="380880" y="380880"/>
-            <a:ext cx="8228880" cy="913680"/>
+            <a:ext cx="8228520" cy="913320"/>
           </a:xfrm>
           <a:prstGeom prst="rect">
             <a:avLst/>
@@ -7088,7 +7084,7 @@
         <p:spPr>
           <a:xfrm>
             <a:off x="1066680" y="1752480"/>
-            <a:ext cx="7162200" cy="1218600"/>
+            <a:ext cx="7161840" cy="1218240"/>
           </a:xfrm>
           <a:prstGeom prst="rect">
             <a:avLst/>
@@ -7109,7 +7105,7 @@
             <a:noAutofit/>
           </a:bodyPr>
           <a:p>
-            <a:pPr marL="343080" indent="-342360">
+            <a:pPr marL="343080" indent="-342000">
               <a:lnSpc>
                 <a:spcPct val="90000"/>
               </a:lnSpc>
@@ -7137,7 +7133,7 @@
             </a:endParaRPr>
           </a:p>
           <a:p>
-            <a:pPr marL="343080" indent="-342360">
+            <a:pPr marL="343080" indent="-342000">
               <a:lnSpc>
                 <a:spcPct val="90000"/>
               </a:lnSpc>
@@ -7175,7 +7171,7 @@
         <p:spPr>
           <a:xfrm>
             <a:off x="538920" y="1295280"/>
-            <a:ext cx="857520" cy="455760"/>
+            <a:ext cx="857160" cy="455400"/>
           </a:xfrm>
           <a:prstGeom prst="rect">
             <a:avLst/>
@@ -7227,7 +7223,7 @@
         <p:spPr>
           <a:xfrm>
             <a:off x="539640" y="3276720"/>
-            <a:ext cx="941040" cy="455760"/>
+            <a:ext cx="940680" cy="455400"/>
           </a:xfrm>
           <a:prstGeom prst="rect">
             <a:avLst/>
@@ -7279,7 +7275,7 @@
         <p:spPr>
           <a:xfrm>
             <a:off x="1066680" y="3809880"/>
-            <a:ext cx="7162200" cy="1447200"/>
+            <a:ext cx="7161840" cy="1446840"/>
           </a:xfrm>
           <a:prstGeom prst="rect">
             <a:avLst/>
@@ -7300,7 +7296,7 @@
             <a:noAutofit/>
           </a:bodyPr>
           <a:p>
-            <a:pPr marL="343080" indent="-342360">
+            <a:pPr marL="343080" indent="-342000">
               <a:lnSpc>
                 <a:spcPct val="90000"/>
               </a:lnSpc>
@@ -7328,7 +7324,7 @@
             </a:endParaRPr>
           </a:p>
           <a:p>
-            <a:pPr marL="343080" indent="-342360">
+            <a:pPr marL="343080" indent="-342000">
               <a:lnSpc>
                 <a:spcPct val="90000"/>
               </a:lnSpc>
@@ -7356,7 +7352,7 @@
             </a:endParaRPr>
           </a:p>
           <a:p>
-            <a:pPr marL="343080" indent="-342360">
+            <a:pPr marL="343080" indent="-342000">
               <a:lnSpc>
                 <a:spcPct val="90000"/>
               </a:lnSpc>
@@ -7384,7 +7380,7 @@
             </a:endParaRPr>
           </a:p>
           <a:p>
-            <a:pPr marL="343080" indent="-342360">
+            <a:pPr marL="343080" indent="-342000">
               <a:lnSpc>
                 <a:spcPct val="90000"/>
               </a:lnSpc>
@@ -7452,7 +7448,7 @@
         <p:spPr>
           <a:xfrm>
             <a:off x="380880" y="380880"/>
-            <a:ext cx="8228880" cy="913680"/>
+            <a:ext cx="8228520" cy="913320"/>
           </a:xfrm>
           <a:prstGeom prst="rect">
             <a:avLst/>
@@ -7503,7 +7499,7 @@
         <p:spPr>
           <a:xfrm>
             <a:off x="1066680" y="1752480"/>
-            <a:ext cx="7162200" cy="1218600"/>
+            <a:ext cx="7161840" cy="1218240"/>
           </a:xfrm>
           <a:prstGeom prst="rect">
             <a:avLst/>
@@ -7524,7 +7520,7 @@
             <a:noAutofit/>
           </a:bodyPr>
           <a:p>
-            <a:pPr marL="343080" indent="-342360">
+            <a:pPr marL="343080" indent="-342000">
               <a:lnSpc>
                 <a:spcPct val="90000"/>
               </a:lnSpc>
@@ -7552,7 +7548,7 @@
             </a:endParaRPr>
           </a:p>
           <a:p>
-            <a:pPr marL="343080" indent="-342360">
+            <a:pPr marL="343080" indent="-342000">
               <a:lnSpc>
                 <a:spcPct val="90000"/>
               </a:lnSpc>
@@ -7590,7 +7586,7 @@
         <p:spPr>
           <a:xfrm>
             <a:off x="538920" y="1295280"/>
-            <a:ext cx="857520" cy="455760"/>
+            <a:ext cx="857160" cy="455400"/>
           </a:xfrm>
           <a:prstGeom prst="rect">
             <a:avLst/>
@@ -7642,7 +7638,7 @@
         <p:spPr>
           <a:xfrm>
             <a:off x="539640" y="3276720"/>
-            <a:ext cx="941040" cy="455760"/>
+            <a:ext cx="940680" cy="455400"/>
           </a:xfrm>
           <a:prstGeom prst="rect">
             <a:avLst/>
@@ -7694,7 +7690,7 @@
         <p:spPr>
           <a:xfrm>
             <a:off x="1066680" y="3809880"/>
-            <a:ext cx="7162200" cy="1447200"/>
+            <a:ext cx="7161840" cy="1446840"/>
           </a:xfrm>
           <a:prstGeom prst="rect">
             <a:avLst/>
@@ -7715,7 +7711,7 @@
             <a:noAutofit/>
           </a:bodyPr>
           <a:p>
-            <a:pPr marL="343080" indent="-342360">
+            <a:pPr marL="343080" indent="-342000">
               <a:lnSpc>
                 <a:spcPct val="90000"/>
               </a:lnSpc>
@@ -7743,7 +7739,7 @@
             </a:endParaRPr>
           </a:p>
           <a:p>
-            <a:pPr marL="343080" indent="-342360">
+            <a:pPr marL="343080" indent="-342000">
               <a:lnSpc>
                 <a:spcPct val="90000"/>
               </a:lnSpc>
@@ -7811,7 +7807,7 @@
         <p:spPr>
           <a:xfrm>
             <a:off x="380880" y="380880"/>
-            <a:ext cx="8228880" cy="913680"/>
+            <a:ext cx="8228520" cy="913320"/>
           </a:xfrm>
           <a:prstGeom prst="rect">
             <a:avLst/>
@@ -7862,7 +7858,7 @@
         <p:spPr>
           <a:xfrm>
             <a:off x="1066680" y="1447920"/>
-            <a:ext cx="7162200" cy="2742480"/>
+            <a:ext cx="7161840" cy="2742120"/>
           </a:xfrm>
           <a:prstGeom prst="rect">
             <a:avLst/>
@@ -7883,7 +7879,7 @@
             <a:noAutofit/>
           </a:bodyPr>
           <a:p>
-            <a:pPr marL="343080" indent="-342360">
+            <a:pPr marL="343080" indent="-342000">
               <a:lnSpc>
                 <a:spcPct val="140000"/>
               </a:lnSpc>
@@ -7911,7 +7907,7 @@
             </a:endParaRPr>
           </a:p>
           <a:p>
-            <a:pPr marL="343080" indent="-342360">
+            <a:pPr marL="343080" indent="-342000">
               <a:lnSpc>
                 <a:spcPct val="140000"/>
               </a:lnSpc>
@@ -7939,7 +7935,7 @@
             </a:endParaRPr>
           </a:p>
           <a:p>
-            <a:pPr marL="343080" indent="-342360">
+            <a:pPr marL="343080" indent="-342000">
               <a:lnSpc>
                 <a:spcPct val="140000"/>
               </a:lnSpc>
@@ -7967,7 +7963,7 @@
             </a:endParaRPr>
           </a:p>
           <a:p>
-            <a:pPr marL="343080" indent="-342360">
+            <a:pPr marL="343080" indent="-342000">
               <a:lnSpc>
                 <a:spcPct val="140000"/>
               </a:lnSpc>
@@ -7995,7 +7991,7 @@
             </a:endParaRPr>
           </a:p>
           <a:p>
-            <a:pPr marL="343080" indent="-342360">
+            <a:pPr marL="343080" indent="-342000">
               <a:lnSpc>
                 <a:spcPct val="140000"/>
               </a:lnSpc>
@@ -8063,7 +8059,7 @@
         <p:spPr>
           <a:xfrm>
             <a:off x="380880" y="380880"/>
-            <a:ext cx="8228880" cy="913680"/>
+            <a:ext cx="8228520" cy="913320"/>
           </a:xfrm>
           <a:prstGeom prst="rect">
             <a:avLst/>
@@ -8114,7 +8110,7 @@
         <p:spPr>
           <a:xfrm>
             <a:off x="1066680" y="1447920"/>
-            <a:ext cx="7162200" cy="2742480"/>
+            <a:ext cx="7161840" cy="2742120"/>
           </a:xfrm>
           <a:prstGeom prst="rect">
             <a:avLst/>
@@ -8135,7 +8131,7 @@
             <a:noAutofit/>
           </a:bodyPr>
           <a:p>
-            <a:pPr marL="343080" indent="-342360">
+            <a:pPr marL="343080" indent="-342000">
               <a:lnSpc>
                 <a:spcPct val="140000"/>
               </a:lnSpc>
@@ -8189,7 +8185,7 @@
         <p:spPr>
           <a:xfrm>
             <a:off x="2942640" y="4800600"/>
-            <a:ext cx="3518280" cy="364320"/>
+            <a:ext cx="3517920" cy="363960"/>
           </a:xfrm>
           <a:prstGeom prst="rect">
             <a:avLst/>
@@ -8270,7 +8266,7 @@
         <p:spPr>
           <a:xfrm>
             <a:off x="380880" y="380880"/>
-            <a:ext cx="8228880" cy="913680"/>
+            <a:ext cx="8228520" cy="913320"/>
           </a:xfrm>
           <a:prstGeom prst="rect">
             <a:avLst/>
@@ -8321,7 +8317,7 @@
         <p:spPr>
           <a:xfrm>
             <a:off x="1066680" y="1447920"/>
-            <a:ext cx="7162200" cy="2285280"/>
+            <a:ext cx="7161840" cy="2284920"/>
           </a:xfrm>
           <a:prstGeom prst="rect">
             <a:avLst/>
@@ -8368,7 +8364,7 @@
             </a:endParaRPr>
           </a:p>
           <a:p>
-            <a:pPr marL="457200" indent="-456480">
+            <a:pPr marL="457200" indent="-456120">
               <a:lnSpc>
                 <a:spcPct val="140000"/>
               </a:lnSpc>
@@ -8399,7 +8395,7 @@
             </a:endParaRPr>
           </a:p>
           <a:p>
-            <a:pPr marL="457200" indent="-456480">
+            <a:pPr marL="457200" indent="-456120">
               <a:lnSpc>
                 <a:spcPct val="140000"/>
               </a:lnSpc>
@@ -8470,7 +8466,7 @@
         <p:spPr>
           <a:xfrm>
             <a:off x="380880" y="380880"/>
-            <a:ext cx="8228880" cy="913680"/>
+            <a:ext cx="8228520" cy="913320"/>
           </a:xfrm>
           <a:prstGeom prst="rect">
             <a:avLst/>
@@ -8521,7 +8517,7 @@
         <p:spPr>
           <a:xfrm>
             <a:off x="1066680" y="1447920"/>
-            <a:ext cx="7162200" cy="2285280"/>
+            <a:ext cx="7161840" cy="2284920"/>
           </a:xfrm>
           <a:prstGeom prst="rect">
             <a:avLst/>
@@ -8686,7 +8682,7 @@
         <p:spPr>
           <a:xfrm>
             <a:off x="380880" y="380880"/>
-            <a:ext cx="8609760" cy="1065960"/>
+            <a:ext cx="8609400" cy="1065600"/>
           </a:xfrm>
           <a:prstGeom prst="rect">
             <a:avLst/>
@@ -8737,7 +8733,7 @@
         <p:spPr>
           <a:xfrm>
             <a:off x="1066680" y="1981080"/>
-            <a:ext cx="7162200" cy="1980360"/>
+            <a:ext cx="7161840" cy="1980000"/>
           </a:xfrm>
           <a:prstGeom prst="rect">
             <a:avLst/>
@@ -8758,7 +8754,7 @@
             <a:noAutofit/>
           </a:bodyPr>
           <a:p>
-            <a:pPr marL="343080" indent="-342360">
+            <a:pPr marL="343080" indent="-342000">
               <a:lnSpc>
                 <a:spcPct val="140000"/>
               </a:lnSpc>
@@ -8786,7 +8782,7 @@
             </a:endParaRPr>
           </a:p>
           <a:p>
-            <a:pPr marL="343080" indent="-342360">
+            <a:pPr marL="343080" indent="-342000">
               <a:lnSpc>
                 <a:spcPct val="140000"/>
               </a:lnSpc>
@@ -8814,7 +8810,7 @@
             </a:endParaRPr>
           </a:p>
           <a:p>
-            <a:pPr lvl="2" marL="648000" indent="-216000">
+            <a:pPr lvl="2" marL="648000" indent="-215640">
               <a:lnSpc>
                 <a:spcPct val="140000"/>
               </a:lnSpc>
@@ -8843,7 +8839,7 @@
             </a:endParaRPr>
           </a:p>
           <a:p>
-            <a:pPr lvl="2" marL="648000" indent="-216000">
+            <a:pPr lvl="2" marL="648000" indent="-215640">
               <a:lnSpc>
                 <a:spcPct val="140000"/>
               </a:lnSpc>
@@ -8882,7 +8878,7 @@
         <p:spPr>
           <a:xfrm>
             <a:off x="581760" y="4831560"/>
-            <a:ext cx="7587360" cy="364320"/>
+            <a:ext cx="7587000" cy="363960"/>
           </a:xfrm>
           <a:prstGeom prst="rect">
             <a:avLst/>
